--- a/PPT/第4章 ByteBuilder容器.pptx
+++ b/PPT/第4章 ByteBuilder容器.pptx
@@ -851,7 +851,7 @@
           <a:p>
             <a:fld id="{99FB5A84-5FA2-43CC-9000-1B7178255A07}" type="datetimeFigureOut">
               <a:rPr lang="zh-CN" altLang="en-US" smtClean="0"/>
-              <a:t>2016/7/9</a:t>
+              <a:t>2016/7/14</a:t>
             </a:fld>
             <a:endParaRPr lang="zh-CN" altLang="en-US"/>
           </a:p>
@@ -1102,7 +1102,7 @@
           <a:p>
             <a:fld id="{99FB5A84-5FA2-43CC-9000-1B7178255A07}" type="datetimeFigureOut">
               <a:rPr lang="zh-CN" altLang="en-US" smtClean="0"/>
-              <a:t>2016/7/9</a:t>
+              <a:t>2016/7/14</a:t>
             </a:fld>
             <a:endParaRPr lang="zh-CN" altLang="en-US"/>
           </a:p>
@@ -1416,7 +1416,7 @@
           <a:p>
             <a:fld id="{99FB5A84-5FA2-43CC-9000-1B7178255A07}" type="datetimeFigureOut">
               <a:rPr lang="zh-CN" altLang="en-US" smtClean="0"/>
-              <a:t>2016/7/9</a:t>
+              <a:t>2016/7/14</a:t>
             </a:fld>
             <a:endParaRPr lang="zh-CN" altLang="en-US"/>
           </a:p>
@@ -1757,7 +1757,7 @@
           <a:p>
             <a:fld id="{99FB5A84-5FA2-43CC-9000-1B7178255A07}" type="datetimeFigureOut">
               <a:rPr lang="zh-CN" altLang="en-US" smtClean="0"/>
-              <a:t>2016/7/9</a:t>
+              <a:t>2016/7/14</a:t>
             </a:fld>
             <a:endParaRPr lang="zh-CN" altLang="en-US"/>
           </a:p>
@@ -2071,7 +2071,7 @@
           <a:p>
             <a:fld id="{99FB5A84-5FA2-43CC-9000-1B7178255A07}" type="datetimeFigureOut">
               <a:rPr lang="zh-CN" altLang="en-US" smtClean="0"/>
-              <a:t>2016/7/9</a:t>
+              <a:t>2016/7/14</a:t>
             </a:fld>
             <a:endParaRPr lang="zh-CN" altLang="en-US"/>
           </a:p>
@@ -2464,7 +2464,7 @@
           <a:p>
             <a:fld id="{99FB5A84-5FA2-43CC-9000-1B7178255A07}" type="datetimeFigureOut">
               <a:rPr lang="zh-CN" altLang="en-US" smtClean="0"/>
-              <a:t>2016/7/9</a:t>
+              <a:t>2016/7/14</a:t>
             </a:fld>
             <a:endParaRPr lang="zh-CN" altLang="en-US"/>
           </a:p>
@@ -2634,7 +2634,7 @@
           <a:p>
             <a:fld id="{99FB5A84-5FA2-43CC-9000-1B7178255A07}" type="datetimeFigureOut">
               <a:rPr lang="zh-CN" altLang="en-US" smtClean="0"/>
-              <a:t>2016/7/9</a:t>
+              <a:t>2016/7/14</a:t>
             </a:fld>
             <a:endParaRPr lang="zh-CN" altLang="en-US"/>
           </a:p>
@@ -2814,7 +2814,7 @@
           <a:p>
             <a:fld id="{99FB5A84-5FA2-43CC-9000-1B7178255A07}" type="datetimeFigureOut">
               <a:rPr lang="zh-CN" altLang="en-US" smtClean="0"/>
-              <a:t>2016/7/9</a:t>
+              <a:t>2016/7/14</a:t>
             </a:fld>
             <a:endParaRPr lang="zh-CN" altLang="en-US"/>
           </a:p>
@@ -2990,7 +2990,7 @@
           <a:p>
             <a:fld id="{99FB5A84-5FA2-43CC-9000-1B7178255A07}" type="datetimeFigureOut">
               <a:rPr lang="zh-CN" altLang="en-US" smtClean="0"/>
-              <a:t>2016/7/9</a:t>
+              <a:t>2016/7/14</a:t>
             </a:fld>
             <a:endParaRPr lang="zh-CN" altLang="en-US"/>
           </a:p>
@@ -3237,7 +3237,7 @@
           <a:p>
             <a:fld id="{99FB5A84-5FA2-43CC-9000-1B7178255A07}" type="datetimeFigureOut">
               <a:rPr lang="zh-CN" altLang="en-US" smtClean="0"/>
-              <a:t>2016/7/9</a:t>
+              <a:t>2016/7/14</a:t>
             </a:fld>
             <a:endParaRPr lang="zh-CN" altLang="en-US"/>
           </a:p>
@@ -3469,7 +3469,7 @@
           <a:p>
             <a:fld id="{99FB5A84-5FA2-43CC-9000-1B7178255A07}" type="datetimeFigureOut">
               <a:rPr lang="zh-CN" altLang="en-US" smtClean="0"/>
-              <a:t>2016/7/9</a:t>
+              <a:t>2016/7/14</a:t>
             </a:fld>
             <a:endParaRPr lang="zh-CN" altLang="en-US"/>
           </a:p>
@@ -3843,7 +3843,7 @@
           <a:p>
             <a:fld id="{99FB5A84-5FA2-43CC-9000-1B7178255A07}" type="datetimeFigureOut">
               <a:rPr lang="zh-CN" altLang="en-US" smtClean="0"/>
-              <a:t>2016/7/9</a:t>
+              <a:t>2016/7/14</a:t>
             </a:fld>
             <a:endParaRPr lang="zh-CN" altLang="en-US"/>
           </a:p>
@@ -3966,7 +3966,7 @@
           <a:p>
             <a:fld id="{99FB5A84-5FA2-43CC-9000-1B7178255A07}" type="datetimeFigureOut">
               <a:rPr lang="zh-CN" altLang="en-US" smtClean="0"/>
-              <a:t>2016/7/9</a:t>
+              <a:t>2016/7/14</a:t>
             </a:fld>
             <a:endParaRPr lang="zh-CN" altLang="en-US"/>
           </a:p>
@@ -4061,7 +4061,7 @@
           <a:p>
             <a:fld id="{99FB5A84-5FA2-43CC-9000-1B7178255A07}" type="datetimeFigureOut">
               <a:rPr lang="zh-CN" altLang="en-US" smtClean="0"/>
-              <a:t>2016/7/9</a:t>
+              <a:t>2016/7/14</a:t>
             </a:fld>
             <a:endParaRPr lang="zh-CN" altLang="en-US"/>
           </a:p>
@@ -4316,7 +4316,7 @@
           <a:p>
             <a:fld id="{99FB5A84-5FA2-43CC-9000-1B7178255A07}" type="datetimeFigureOut">
               <a:rPr lang="zh-CN" altLang="en-US" smtClean="0"/>
-              <a:t>2016/7/9</a:t>
+              <a:t>2016/7/14</a:t>
             </a:fld>
             <a:endParaRPr lang="zh-CN" altLang="en-US"/>
           </a:p>
@@ -4579,7 +4579,7 @@
           <a:p>
             <a:fld id="{99FB5A84-5FA2-43CC-9000-1B7178255A07}" type="datetimeFigureOut">
               <a:rPr lang="zh-CN" altLang="en-US" smtClean="0"/>
-              <a:t>2016/7/9</a:t>
+              <a:t>2016/7/14</a:t>
             </a:fld>
             <a:endParaRPr lang="zh-CN" altLang="en-US"/>
           </a:p>
@@ -5322,7 +5322,7 @@
           <a:p>
             <a:fld id="{99FB5A84-5FA2-43CC-9000-1B7178255A07}" type="datetimeFigureOut">
               <a:rPr lang="zh-CN" altLang="en-US" smtClean="0"/>
-              <a:t>2016/7/9</a:t>
+              <a:t>2016/7/14</a:t>
             </a:fld>
             <a:endParaRPr lang="zh-CN" altLang="en-US"/>
           </a:p>
@@ -7392,7 +7392,7 @@
       </p:sp>
       <p:pic>
         <p:nvPicPr>
-          <p:cNvPr id="4" name="图片 3"/>
+          <p:cNvPr id="6" name="图片 5"/>
           <p:cNvPicPr>
             <a:picLocks noChangeAspect="1"/>
           </p:cNvPicPr>
@@ -7406,8 +7406,8 @@
         </p:blipFill>
         <p:spPr>
           <a:xfrm>
-            <a:off x="1055436" y="1759499"/>
-            <a:ext cx="7590476" cy="3704762"/>
+            <a:off x="836077" y="1862670"/>
+            <a:ext cx="6971428" cy="3657143"/>
           </a:xfrm>
           <a:prstGeom prst="rect">
             <a:avLst/>
@@ -8972,11 +8972,7 @@
             </a:r>
             <a:r>
               <a:rPr lang="zh-CN" altLang="en-US" dirty="0" smtClean="0"/>
-              <a:t>性能</a:t>
-            </a:r>
-            <a:r>
-              <a:rPr lang="zh-CN" altLang="en-US" dirty="0" smtClean="0"/>
-              <a:t>高</a:t>
+              <a:t>性能高</a:t>
             </a:r>
             <a:endParaRPr lang="en-US" altLang="zh-CN" dirty="0" smtClean="0"/>
           </a:p>
